--- a/materi/RPA Training.pptx
+++ b/materi/RPA Training.pptx
@@ -4285,7 +4285,7 @@
           <a:p>
             <a:fld id="{C76A5925-1F73-40BA-85C9-D3AC61ACF64E}" type="datetimeFigureOut">
               <a:rPr lang="en-US" smtClean="0"/>
-              <a:t>9/30/2023</a:t>
+              <a:t>10/6/2023</a:t>
             </a:fld>
             <a:endParaRPr lang="en-US"/>
           </a:p>
@@ -4462,7 +4462,7 @@
           <a:p>
             <a:fld id="{3FD28DB0-09F6-4366-A211-0FA9A757C8BD}" type="datetimeFigureOut">
               <a:rPr lang="en-US" noProof="0" smtClean="0"/>
-              <a:t>9/30/2023</a:t>
+              <a:t>10/6/2023</a:t>
             </a:fld>
             <a:endParaRPr lang="en-US" noProof="0"/>
           </a:p>
@@ -4876,7 +4876,7 @@
           <a:p>
             <a:fld id="{A897B9DE-0155-4E37-A85A-FB5ECD1BF1BB}" type="datetimeFigureOut">
               <a:rPr lang="en-US" smtClean="0"/>
-              <a:t>10/1/2023</a:t>
+              <a:t>10/6/2023</a:t>
             </a:fld>
             <a:endParaRPr lang="en-US"/>
           </a:p>
@@ -5080,7 +5080,7 @@
           <a:p>
             <a:fld id="{A897B9DE-0155-4E37-A85A-FB5ECD1BF1BB}" type="datetimeFigureOut">
               <a:rPr lang="en-US" smtClean="0"/>
-              <a:t>10/1/2023</a:t>
+              <a:t>10/6/2023</a:t>
             </a:fld>
             <a:endParaRPr lang="en-US"/>
           </a:p>
@@ -5294,7 +5294,7 @@
           <a:p>
             <a:fld id="{A897B9DE-0155-4E37-A85A-FB5ECD1BF1BB}" type="datetimeFigureOut">
               <a:rPr lang="en-US" smtClean="0"/>
-              <a:t>10/1/2023</a:t>
+              <a:t>10/6/2023</a:t>
             </a:fld>
             <a:endParaRPr lang="en-US"/>
           </a:p>
@@ -8996,7 +8996,7 @@
           <a:p>
             <a:fld id="{A897B9DE-0155-4E37-A85A-FB5ECD1BF1BB}" type="datetimeFigureOut">
               <a:rPr lang="en-US" smtClean="0"/>
-              <a:t>10/1/2023</a:t>
+              <a:t>10/6/2023</a:t>
             </a:fld>
             <a:endParaRPr lang="en-US"/>
           </a:p>
@@ -10859,7 +10859,7 @@
           <a:p>
             <a:fld id="{A897B9DE-0155-4E37-A85A-FB5ECD1BF1BB}" type="datetimeFigureOut">
               <a:rPr lang="en-US" smtClean="0"/>
-              <a:t>10/1/2023</a:t>
+              <a:t>10/6/2023</a:t>
             </a:fld>
             <a:endParaRPr lang="en-US"/>
           </a:p>
@@ -11130,7 +11130,7 @@
           <a:p>
             <a:fld id="{A897B9DE-0155-4E37-A85A-FB5ECD1BF1BB}" type="datetimeFigureOut">
               <a:rPr lang="en-US" smtClean="0"/>
-              <a:t>10/1/2023</a:t>
+              <a:t>10/6/2023</a:t>
             </a:fld>
             <a:endParaRPr lang="en-US"/>
           </a:p>
@@ -11548,7 +11548,7 @@
           <a:p>
             <a:fld id="{A897B9DE-0155-4E37-A85A-FB5ECD1BF1BB}" type="datetimeFigureOut">
               <a:rPr lang="en-US" smtClean="0"/>
-              <a:t>10/1/2023</a:t>
+              <a:t>10/6/2023</a:t>
             </a:fld>
             <a:endParaRPr lang="en-US"/>
           </a:p>
@@ -11695,7 +11695,7 @@
           <a:p>
             <a:fld id="{A897B9DE-0155-4E37-A85A-FB5ECD1BF1BB}" type="datetimeFigureOut">
               <a:rPr lang="en-US" smtClean="0"/>
-              <a:t>10/1/2023</a:t>
+              <a:t>10/6/2023</a:t>
             </a:fld>
             <a:endParaRPr lang="en-US"/>
           </a:p>
@@ -11814,7 +11814,7 @@
           <a:p>
             <a:fld id="{A897B9DE-0155-4E37-A85A-FB5ECD1BF1BB}" type="datetimeFigureOut">
               <a:rPr lang="en-US" smtClean="0"/>
-              <a:t>10/1/2023</a:t>
+              <a:t>10/6/2023</a:t>
             </a:fld>
             <a:endParaRPr lang="en-US"/>
           </a:p>
@@ -12129,7 +12129,7 @@
           <a:p>
             <a:fld id="{A897B9DE-0155-4E37-A85A-FB5ECD1BF1BB}" type="datetimeFigureOut">
               <a:rPr lang="en-US" smtClean="0"/>
-              <a:t>10/1/2023</a:t>
+              <a:t>10/6/2023</a:t>
             </a:fld>
             <a:endParaRPr lang="en-US"/>
           </a:p>
@@ -12423,7 +12423,7 @@
           <a:p>
             <a:fld id="{A897B9DE-0155-4E37-A85A-FB5ECD1BF1BB}" type="datetimeFigureOut">
               <a:rPr lang="en-US" smtClean="0"/>
-              <a:t>10/1/2023</a:t>
+              <a:t>10/6/2023</a:t>
             </a:fld>
             <a:endParaRPr lang="en-US"/>
           </a:p>
@@ -12670,7 +12670,7 @@
           <a:p>
             <a:fld id="{A897B9DE-0155-4E37-A85A-FB5ECD1BF1BB}" type="datetimeFigureOut">
               <a:rPr lang="en-US" smtClean="0"/>
-              <a:t>10/1/2023</a:t>
+              <a:t>10/6/2023</a:t>
             </a:fld>
             <a:endParaRPr lang="en-US"/>
           </a:p>
@@ -16566,7 +16566,7 @@
               <a:rPr lang="en-US" sz="2000" dirty="0">
                 <a:hlinkClick r:id="rId3"/>
               </a:rPr>
-              <a:t>https://github.com/ariefsusanto-id/robocorp</a:t>
+              <a:t>https://github.com/ariefsusanto-id/materi_robocorp</a:t>
             </a:r>
             <a:endParaRPr lang="en-US" sz="2000" dirty="0"/>
           </a:p>
@@ -16598,6 +16598,15 @@
             <a:endParaRPr lang="en-US" sz="2000" dirty="0"/>
           </a:p>
           <a:p>
+            <a:r>
+              <a:rPr lang="en-US" sz="2000" dirty="0"/>
+              <a:t>https://code.visualstudio.com</a:t>
+            </a:r>
+          </a:p>
+          <a:p>
+            <a:pPr marL="0" indent="0">
+              <a:buNone/>
+            </a:pPr>
             <a:endParaRPr lang="en-US" sz="2000" dirty="0"/>
           </a:p>
           <a:p>
